--- a/slides/modulo-02-banco-SQL/Trabalho/SCA.pptx
+++ b/slides/modulo-02-banco-SQL/Trabalho/SCA.pptx
@@ -91,6 +91,7 @@
         <p:txBody>
           <a:bodyPr lIns="0" rIns="0" tIns="0" bIns="0" anchor="ctr"/>
           <a:p>
+            <a:pPr algn="ctr"/>
             <a:endParaRPr/>
           </a:p>
         </p:txBody>
@@ -191,6 +192,7 @@
         <p:txBody>
           <a:bodyPr lIns="0" rIns="0" tIns="0" bIns="0" anchor="ctr"/>
           <a:p>
+            <a:pPr algn="ctr"/>
             <a:endParaRPr/>
           </a:p>
         </p:txBody>
@@ -343,6 +345,7 @@
         <p:txBody>
           <a:bodyPr lIns="0" rIns="0" tIns="0" bIns="0" anchor="ctr"/>
           <a:p>
+            <a:pPr algn="ctr"/>
             <a:endParaRPr/>
           </a:p>
         </p:txBody>
@@ -511,6 +514,7 @@
         <p:txBody>
           <a:bodyPr lIns="0" rIns="0" tIns="0" bIns="0" anchor="ctr"/>
           <a:p>
+            <a:pPr algn="ctr"/>
             <a:endParaRPr/>
           </a:p>
         </p:txBody>
@@ -586,6 +590,7 @@
         <p:txBody>
           <a:bodyPr lIns="0" rIns="0" tIns="0" bIns="0" anchor="ctr"/>
           <a:p>
+            <a:pPr algn="ctr"/>
             <a:endParaRPr/>
           </a:p>
         </p:txBody>
@@ -660,6 +665,7 @@
         <p:txBody>
           <a:bodyPr lIns="0" rIns="0" tIns="0" bIns="0" anchor="ctr"/>
           <a:p>
+            <a:pPr algn="ctr"/>
             <a:endParaRPr/>
           </a:p>
         </p:txBody>
@@ -760,6 +766,7 @@
         <p:txBody>
           <a:bodyPr lIns="0" rIns="0" tIns="0" bIns="0" anchor="ctr"/>
           <a:p>
+            <a:pPr algn="ctr"/>
             <a:endParaRPr/>
           </a:p>
         </p:txBody>
@@ -857,6 +864,7 @@
         <p:txBody>
           <a:bodyPr lIns="0" rIns="0" tIns="0" bIns="0" anchor="ctr"/>
           <a:p>
+            <a:pPr algn="ctr"/>
             <a:endParaRPr/>
           </a:p>
         </p:txBody>
@@ -983,6 +991,7 @@
         <p:txBody>
           <a:bodyPr lIns="0" rIns="0" tIns="0" bIns="0" anchor="ctr"/>
           <a:p>
+            <a:pPr algn="ctr"/>
             <a:endParaRPr/>
           </a:p>
         </p:txBody>
@@ -1058,6 +1067,7 @@
         <p:txBody>
           <a:bodyPr lIns="0" rIns="0" tIns="0" bIns="0" anchor="ctr"/>
           <a:p>
+            <a:pPr algn="ctr"/>
             <a:endParaRPr/>
           </a:p>
         </p:txBody>
@@ -1184,6 +1194,7 @@
         <p:txBody>
           <a:bodyPr lIns="0" rIns="0" tIns="0" bIns="0" anchor="ctr"/>
           <a:p>
+            <a:pPr algn="ctr"/>
             <a:endParaRPr/>
           </a:p>
         </p:txBody>
@@ -1310,6 +1321,7 @@
         <p:txBody>
           <a:bodyPr lIns="0" rIns="0" tIns="0" bIns="0" anchor="ctr"/>
           <a:p>
+            <a:pPr algn="ctr"/>
             <a:endParaRPr/>
           </a:p>
         </p:txBody>
@@ -1410,6 +1422,7 @@
         <p:txBody>
           <a:bodyPr lIns="0" rIns="0" tIns="0" bIns="0" anchor="ctr"/>
           <a:p>
+            <a:pPr algn="ctr"/>
             <a:endParaRPr/>
           </a:p>
         </p:txBody>
@@ -1562,6 +1575,7 @@
         <p:txBody>
           <a:bodyPr lIns="0" rIns="0" tIns="0" bIns="0" anchor="ctr"/>
           <a:p>
+            <a:pPr algn="ctr"/>
             <a:endParaRPr/>
           </a:p>
         </p:txBody>
@@ -1730,6 +1744,7 @@
         <p:txBody>
           <a:bodyPr lIns="0" rIns="0" tIns="0" bIns="0" anchor="ctr"/>
           <a:p>
+            <a:pPr algn="ctr"/>
             <a:endParaRPr/>
           </a:p>
         </p:txBody>
@@ -1805,6 +1820,7 @@
         <p:txBody>
           <a:bodyPr lIns="0" rIns="0" tIns="0" bIns="0" anchor="ctr"/>
           <a:p>
+            <a:pPr algn="ctr"/>
             <a:endParaRPr/>
           </a:p>
         </p:txBody>
@@ -1879,6 +1895,7 @@
         <p:txBody>
           <a:bodyPr lIns="0" rIns="0" tIns="0" bIns="0" anchor="ctr"/>
           <a:p>
+            <a:pPr algn="ctr"/>
             <a:endParaRPr/>
           </a:p>
         </p:txBody>
@@ -1979,6 +1996,7 @@
         <p:txBody>
           <a:bodyPr lIns="0" rIns="0" tIns="0" bIns="0" anchor="ctr"/>
           <a:p>
+            <a:pPr algn="ctr"/>
             <a:endParaRPr/>
           </a:p>
         </p:txBody>
@@ -2027,6 +2045,7 @@
         <p:txBody>
           <a:bodyPr lIns="0" rIns="0" tIns="0" bIns="0" anchor="ctr"/>
           <a:p>
+            <a:pPr algn="ctr"/>
             <a:endParaRPr/>
           </a:p>
         </p:txBody>
@@ -2150,6 +2169,7 @@
         <p:txBody>
           <a:bodyPr lIns="0" rIns="0" tIns="0" bIns="0" anchor="ctr"/>
           <a:p>
+            <a:pPr algn="ctr"/>
             <a:endParaRPr/>
           </a:p>
         </p:txBody>
@@ -2276,6 +2296,7 @@
         <p:txBody>
           <a:bodyPr lIns="0" rIns="0" tIns="0" bIns="0" anchor="ctr"/>
           <a:p>
+            <a:pPr algn="ctr"/>
             <a:endParaRPr/>
           </a:p>
         </p:txBody>
@@ -2402,6 +2423,7 @@
         <p:txBody>
           <a:bodyPr lIns="0" rIns="0" tIns="0" bIns="0" anchor="ctr"/>
           <a:p>
+            <a:pPr algn="ctr"/>
             <a:endParaRPr/>
           </a:p>
         </p:txBody>
@@ -2528,6 +2550,7 @@
         <p:txBody>
           <a:bodyPr lIns="0" rIns="0" tIns="0" bIns="0" anchor="ctr"/>
           <a:p>
+            <a:pPr algn="ctr"/>
             <a:endParaRPr/>
           </a:p>
         </p:txBody>
@@ -2628,6 +2651,7 @@
         <p:txBody>
           <a:bodyPr lIns="0" rIns="0" tIns="0" bIns="0" anchor="ctr"/>
           <a:p>
+            <a:pPr algn="ctr"/>
             <a:endParaRPr/>
           </a:p>
         </p:txBody>
@@ -2780,6 +2804,7 @@
         <p:txBody>
           <a:bodyPr lIns="0" rIns="0" tIns="0" bIns="0" anchor="ctr"/>
           <a:p>
+            <a:pPr algn="ctr"/>
             <a:endParaRPr/>
           </a:p>
         </p:txBody>
@@ -2948,6 +2973,7 @@
         <p:txBody>
           <a:bodyPr lIns="0" rIns="0" tIns="0" bIns="0" anchor="ctr"/>
           <a:p>
+            <a:pPr algn="ctr"/>
             <a:endParaRPr/>
           </a:p>
         </p:txBody>
@@ -3023,6 +3049,7 @@
         <p:txBody>
           <a:bodyPr lIns="0" rIns="0" tIns="0" bIns="0" anchor="ctr"/>
           <a:p>
+            <a:pPr algn="ctr"/>
             <a:endParaRPr/>
           </a:p>
         </p:txBody>
@@ -3097,6 +3124,7 @@
         <p:txBody>
           <a:bodyPr lIns="0" rIns="0" tIns="0" bIns="0" anchor="ctr"/>
           <a:p>
+            <a:pPr algn="ctr"/>
             <a:endParaRPr/>
           </a:p>
         </p:txBody>
@@ -3197,6 +3225,7 @@
         <p:txBody>
           <a:bodyPr lIns="0" rIns="0" tIns="0" bIns="0" anchor="ctr"/>
           <a:p>
+            <a:pPr algn="ctr"/>
             <a:endParaRPr/>
           </a:p>
         </p:txBody>
@@ -3297,6 +3326,7 @@
         <p:txBody>
           <a:bodyPr lIns="0" rIns="0" tIns="0" bIns="0" anchor="ctr"/>
           <a:p>
+            <a:pPr algn="ctr"/>
             <a:endParaRPr/>
           </a:p>
         </p:txBody>
@@ -3394,6 +3424,7 @@
         <p:txBody>
           <a:bodyPr lIns="0" rIns="0" tIns="0" bIns="0" anchor="ctr"/>
           <a:p>
+            <a:pPr algn="ctr"/>
             <a:endParaRPr/>
           </a:p>
         </p:txBody>
@@ -3520,6 +3551,7 @@
         <p:txBody>
           <a:bodyPr lIns="0" rIns="0" tIns="0" bIns="0" anchor="ctr"/>
           <a:p>
+            <a:pPr algn="ctr"/>
             <a:endParaRPr/>
           </a:p>
         </p:txBody>
@@ -3646,6 +3678,7 @@
         <p:txBody>
           <a:bodyPr lIns="0" rIns="0" tIns="0" bIns="0" anchor="ctr"/>
           <a:p>
+            <a:pPr algn="ctr"/>
             <a:endParaRPr/>
           </a:p>
         </p:txBody>
@@ -3772,6 +3805,7 @@
         <p:txBody>
           <a:bodyPr lIns="0" rIns="0" tIns="0" bIns="0" anchor="ctr"/>
           <a:p>
+            <a:pPr algn="ctr"/>
             <a:endParaRPr/>
           </a:p>
         </p:txBody>
@@ -3872,6 +3906,7 @@
         <p:txBody>
           <a:bodyPr lIns="0" rIns="0" tIns="0" bIns="0" anchor="ctr"/>
           <a:p>
+            <a:pPr algn="ctr"/>
             <a:endParaRPr/>
           </a:p>
         </p:txBody>
@@ -4024,6 +4059,7 @@
         <p:txBody>
           <a:bodyPr lIns="0" rIns="0" tIns="0" bIns="0" anchor="ctr"/>
           <a:p>
+            <a:pPr algn="ctr"/>
             <a:endParaRPr/>
           </a:p>
         </p:txBody>
@@ -4170,6 +4206,7 @@
         <p:txBody>
           <a:bodyPr lIns="0" rIns="0" tIns="0" bIns="0" anchor="ctr"/>
           <a:p>
+            <a:pPr algn="ctr"/>
             <a:endParaRPr/>
           </a:p>
         </p:txBody>
@@ -4267,6 +4304,7 @@
         <p:txBody>
           <a:bodyPr lIns="0" rIns="0" tIns="0" bIns="0" anchor="ctr"/>
           <a:p>
+            <a:pPr algn="ctr"/>
             <a:endParaRPr/>
           </a:p>
         </p:txBody>
@@ -4393,6 +4431,7 @@
         <p:txBody>
           <a:bodyPr lIns="0" rIns="0" tIns="0" bIns="0" anchor="ctr"/>
           <a:p>
+            <a:pPr algn="ctr"/>
             <a:endParaRPr/>
           </a:p>
         </p:txBody>
@@ -4519,6 +4558,7 @@
         <p:txBody>
           <a:bodyPr lIns="0" rIns="0" tIns="0" bIns="0" anchor="ctr"/>
           <a:p>
+            <a:pPr algn="ctr"/>
             <a:endParaRPr/>
           </a:p>
         </p:txBody>
@@ -4652,8 +4692,9 @@
         <p:txBody>
           <a:bodyPr lIns="0" rIns="0" tIns="0" bIns="0" anchor="ctr"/>
           <a:p>
-            <a:r>
-              <a:rPr lang="pt-BR">
+            <a:pPr algn="ctr"/>
+            <a:r>
+              <a:rPr lang="pt-BR" sz="4400">
                 <a:latin typeface="Arial"/>
               </a:rPr>
               <a:t>Clique para editar o formato do texto do título</a:t>
@@ -4690,7 +4731,7 @@
               <a:buChar char=""/>
             </a:pPr>
             <a:r>
-              <a:rPr lang="pt-BR" sz="2800">
+              <a:rPr lang="pt-BR" sz="3200">
                 <a:latin typeface="Arial"/>
               </a:rPr>
               <a:t>Clique para editar o formato do texto da estrutura de tópicos</a:t>
@@ -4704,7 +4745,7 @@
               <a:buChar char=""/>
             </a:pPr>
             <a:r>
-              <a:rPr lang="pt-BR" sz="2000">
+              <a:rPr lang="pt-BR" sz="2800">
                 <a:latin typeface="Arial"/>
               </a:rPr>
               <a:t>2.º nível da estrutura de tópicos</a:t>
@@ -4718,7 +4759,7 @@
               <a:buChar char=""/>
             </a:pPr>
             <a:r>
-              <a:rPr lang="pt-BR">
+              <a:rPr lang="pt-BR" sz="2400">
                 <a:latin typeface="Arial"/>
               </a:rPr>
               <a:t>3.º nível da estrutura de tópicos</a:t>
@@ -4732,7 +4773,7 @@
               <a:buChar char=""/>
             </a:pPr>
             <a:r>
-              <a:rPr lang="pt-BR">
+              <a:rPr lang="pt-BR" sz="2000">
                 <a:latin typeface="Arial"/>
               </a:rPr>
               <a:t>4.º nível da estrutura de tópicos</a:t>
@@ -4849,8 +4890,9 @@
         <p:txBody>
           <a:bodyPr lIns="0" rIns="0" tIns="0" bIns="0" anchor="ctr"/>
           <a:p>
-            <a:r>
-              <a:rPr lang="pt-BR">
+            <a:pPr algn="ctr"/>
+            <a:r>
+              <a:rPr lang="pt-BR" sz="4400">
                 <a:latin typeface="Arial"/>
               </a:rPr>
               <a:t>Clique para editar o formato do texto do título</a:t>
@@ -4887,7 +4929,7 @@
               <a:buChar char=""/>
             </a:pPr>
             <a:r>
-              <a:rPr lang="pt-BR" sz="2800">
+              <a:rPr lang="pt-BR" sz="3200">
                 <a:latin typeface="Arial"/>
               </a:rPr>
               <a:t>Clique para editar o formato do texto da estrutura de tópicos</a:t>
@@ -4901,7 +4943,7 @@
               <a:buChar char=""/>
             </a:pPr>
             <a:r>
-              <a:rPr lang="pt-BR" sz="2000">
+              <a:rPr lang="pt-BR" sz="2800">
                 <a:latin typeface="Arial"/>
               </a:rPr>
               <a:t>2.º nível da estrutura de tópicos</a:t>
@@ -4915,7 +4957,7 @@
               <a:buChar char=""/>
             </a:pPr>
             <a:r>
-              <a:rPr lang="pt-BR">
+              <a:rPr lang="pt-BR" sz="2400">
                 <a:latin typeface="Arial"/>
               </a:rPr>
               <a:t>3.º nível da estrutura de tópicos</a:t>
@@ -4929,7 +4971,7 @@
               <a:buChar char=""/>
             </a:pPr>
             <a:r>
-              <a:rPr lang="pt-BR">
+              <a:rPr lang="pt-BR" sz="2000">
                 <a:latin typeface="Arial"/>
               </a:rPr>
               <a:t>4.º nível da estrutura de tópicos</a:t>
@@ -5046,8 +5088,9 @@
         <p:txBody>
           <a:bodyPr lIns="0" rIns="0" tIns="0" bIns="0" anchor="ctr"/>
           <a:p>
-            <a:r>
-              <a:rPr lang="pt-BR">
+            <a:pPr algn="ctr"/>
+            <a:r>
+              <a:rPr lang="pt-BR" sz="4400">
                 <a:latin typeface="Arial"/>
               </a:rPr>
               <a:t>Clique para editar o formato do texto do título</a:t>
@@ -5084,7 +5127,7 @@
               <a:buChar char=""/>
             </a:pPr>
             <a:r>
-              <a:rPr lang="pt-BR" sz="2800">
+              <a:rPr lang="pt-BR" sz="3200">
                 <a:latin typeface="Arial"/>
               </a:rPr>
               <a:t>Clique para editar o formato do texto da estrutura de tópicos</a:t>
@@ -5098,7 +5141,7 @@
               <a:buChar char=""/>
             </a:pPr>
             <a:r>
-              <a:rPr lang="pt-BR" sz="2000">
+              <a:rPr lang="pt-BR" sz="2800">
                 <a:latin typeface="Arial"/>
               </a:rPr>
               <a:t>2.º nível da estrutura de tópicos</a:t>
@@ -5112,7 +5155,7 @@
               <a:buChar char=""/>
             </a:pPr>
             <a:r>
-              <a:rPr lang="pt-BR">
+              <a:rPr lang="pt-BR" sz="2400">
                 <a:latin typeface="Arial"/>
               </a:rPr>
               <a:t>3.º nível da estrutura de tópicos</a:t>
@@ -5126,7 +5169,7 @@
               <a:buChar char=""/>
             </a:pPr>
             <a:r>
-              <a:rPr lang="pt-BR">
+              <a:rPr lang="pt-BR" sz="2000">
                 <a:latin typeface="Arial"/>
               </a:rPr>
               <a:t>4.º nível da estrutura de tópicos</a:t>
@@ -5243,8 +5286,9 @@
         <p:txBody>
           <a:bodyPr lIns="0" rIns="0" tIns="0" bIns="0" anchor="ctr"/>
           <a:p>
-            <a:r>
-              <a:rPr lang="pt-BR">
+            <a:pPr algn="ctr"/>
+            <a:r>
+              <a:rPr lang="pt-BR" sz="4400">
                 <a:latin typeface="Arial"/>
               </a:rPr>
               <a:t>Clique para editar o formato do texto do título</a:t>
@@ -5281,7 +5325,7 @@
               <a:buChar char=""/>
             </a:pPr>
             <a:r>
-              <a:rPr lang="pt-BR" sz="2800">
+              <a:rPr lang="pt-BR" sz="3200">
                 <a:latin typeface="Arial"/>
               </a:rPr>
               <a:t>Clique para editar o formato do texto da estrutura de tópicos</a:t>
@@ -5295,7 +5339,7 @@
               <a:buChar char=""/>
             </a:pPr>
             <a:r>
-              <a:rPr lang="pt-BR" sz="2000">
+              <a:rPr lang="pt-BR" sz="2800">
                 <a:latin typeface="Arial"/>
               </a:rPr>
               <a:t>2.º nível da estrutura de tópicos</a:t>
@@ -5309,7 +5353,7 @@
               <a:buChar char=""/>
             </a:pPr>
             <a:r>
-              <a:rPr lang="pt-BR">
+              <a:rPr lang="pt-BR" sz="2400">
                 <a:latin typeface="Arial"/>
               </a:rPr>
               <a:t>3.º nível da estrutura de tópicos</a:t>
@@ -5323,7 +5367,7 @@
               <a:buChar char=""/>
             </a:pPr>
             <a:r>
-              <a:rPr lang="pt-BR">
+              <a:rPr lang="pt-BR" sz="2000">
                 <a:latin typeface="Arial"/>
               </a:rPr>
               <a:t>4.º nível da estrutura de tópicos</a:t>
@@ -5420,7 +5464,7 @@
         <p:spPr>
           <a:xfrm>
             <a:off x="685800" y="1583280"/>
-            <a:ext cx="7770600" cy="1158120"/>
+            <a:ext cx="7770240" cy="1157760"/>
           </a:xfrm>
           <a:prstGeom prst="rect">
             <a:avLst/>
@@ -5467,7 +5511,7 @@
         <p:spPr>
           <a:xfrm>
             <a:off x="685800" y="2840040"/>
-            <a:ext cx="7770600" cy="783000"/>
+            <a:ext cx="7770240" cy="782640"/>
           </a:xfrm>
           <a:prstGeom prst="rect">
             <a:avLst/>
@@ -5563,7 +5607,7 @@
         <p:spPr>
           <a:xfrm>
             <a:off x="267840" y="163800"/>
-            <a:ext cx="8227800" cy="3723840"/>
+            <a:ext cx="8227440" cy="3723480"/>
           </a:xfrm>
           <a:prstGeom prst="rect">
             <a:avLst/>
@@ -5775,7 +5819,7 @@
         <p:spPr>
           <a:xfrm>
             <a:off x="267840" y="163800"/>
-            <a:ext cx="8227800" cy="3723840"/>
+            <a:ext cx="8227440" cy="3723480"/>
           </a:xfrm>
           <a:prstGeom prst="rect">
             <a:avLst/>
@@ -5957,7 +6001,7 @@
         <p:spPr>
           <a:xfrm>
             <a:off x="267840" y="163800"/>
-            <a:ext cx="8227800" cy="3723840"/>
+            <a:ext cx="8227440" cy="3723480"/>
           </a:xfrm>
           <a:prstGeom prst="rect">
             <a:avLst/>
@@ -6139,7 +6183,7 @@
         <p:spPr>
           <a:xfrm>
             <a:off x="457200" y="205920"/>
-            <a:ext cx="8227800" cy="855720"/>
+            <a:ext cx="8227440" cy="855360"/>
           </a:xfrm>
           <a:prstGeom prst="rect">
             <a:avLst/>
@@ -6165,7 +6209,7 @@
         <p:spPr>
           <a:xfrm>
             <a:off x="457200" y="1200240"/>
-            <a:ext cx="8227800" cy="3723840"/>
+            <a:ext cx="8227440" cy="3723480"/>
           </a:xfrm>
           <a:prstGeom prst="rect">
             <a:avLst/>
@@ -6195,7 +6239,7 @@
         <p:spPr>
           <a:xfrm>
             <a:off x="502560" y="72000"/>
-            <a:ext cx="8137440" cy="4926960"/>
+            <a:ext cx="8137080" cy="4926600"/>
           </a:xfrm>
           <a:prstGeom prst="rect">
             <a:avLst/>
@@ -6263,7 +6307,7 @@
         <p:spPr>
           <a:xfrm>
             <a:off x="457200" y="205920"/>
-            <a:ext cx="8227800" cy="855720"/>
+            <a:ext cx="8227440" cy="855360"/>
           </a:xfrm>
           <a:prstGeom prst="rect">
             <a:avLst/>
@@ -6310,7 +6354,7 @@
         <p:spPr>
           <a:xfrm>
             <a:off x="457200" y="1200240"/>
-            <a:ext cx="8227800" cy="2252160"/>
+            <a:ext cx="8227440" cy="2251800"/>
           </a:xfrm>
           <a:prstGeom prst="rect">
             <a:avLst/>
@@ -6504,7 +6548,7 @@
         <p:spPr>
           <a:xfrm>
             <a:off x="457200" y="205920"/>
-            <a:ext cx="8227800" cy="855720"/>
+            <a:ext cx="8227440" cy="855360"/>
           </a:xfrm>
           <a:prstGeom prst="rect">
             <a:avLst/>
@@ -6551,7 +6595,7 @@
         <p:spPr>
           <a:xfrm>
             <a:off x="457200" y="1200240"/>
-            <a:ext cx="8227800" cy="2252160"/>
+            <a:ext cx="8227440" cy="2251800"/>
           </a:xfrm>
           <a:prstGeom prst="rect">
             <a:avLst/>
@@ -6781,7 +6825,7 @@
         <p:spPr>
           <a:xfrm>
             <a:off x="457200" y="205920"/>
-            <a:ext cx="8227800" cy="855720"/>
+            <a:ext cx="8227440" cy="855360"/>
           </a:xfrm>
           <a:prstGeom prst="rect">
             <a:avLst/>
@@ -6828,7 +6872,7 @@
         <p:spPr>
           <a:xfrm>
             <a:off x="457200" y="1200240"/>
-            <a:ext cx="8227800" cy="2252160"/>
+            <a:ext cx="8227440" cy="2251800"/>
           </a:xfrm>
           <a:prstGeom prst="rect">
             <a:avLst/>
@@ -7126,7 +7170,7 @@
         <p:spPr>
           <a:xfrm>
             <a:off x="457200" y="205920"/>
-            <a:ext cx="8227800" cy="855720"/>
+            <a:ext cx="8227440" cy="855360"/>
           </a:xfrm>
           <a:prstGeom prst="rect">
             <a:avLst/>
@@ -7173,7 +7217,7 @@
         <p:spPr>
           <a:xfrm>
             <a:off x="457200" y="1200240"/>
-            <a:ext cx="8227800" cy="3723840"/>
+            <a:ext cx="8227440" cy="3723480"/>
           </a:xfrm>
           <a:prstGeom prst="rect">
             <a:avLst/>
@@ -7359,7 +7403,7 @@
         <p:spPr>
           <a:xfrm>
             <a:off x="457200" y="205920"/>
-            <a:ext cx="8227800" cy="855720"/>
+            <a:ext cx="8227440" cy="855360"/>
           </a:xfrm>
           <a:prstGeom prst="rect">
             <a:avLst/>
@@ -7406,7 +7450,7 @@
         <p:spPr>
           <a:xfrm>
             <a:off x="457200" y="1200240"/>
-            <a:ext cx="8227800" cy="3723840"/>
+            <a:ext cx="8227440" cy="3723480"/>
           </a:xfrm>
           <a:prstGeom prst="rect">
             <a:avLst/>
@@ -7544,7 +7588,7 @@
         <p:spPr>
           <a:xfrm>
             <a:off x="457200" y="-46080"/>
-            <a:ext cx="8227800" cy="855720"/>
+            <a:ext cx="8227440" cy="855360"/>
           </a:xfrm>
           <a:prstGeom prst="rect">
             <a:avLst/>
@@ -7591,7 +7635,7 @@
         <p:spPr>
           <a:xfrm>
             <a:off x="483840" y="955800"/>
-            <a:ext cx="8227800" cy="3723840"/>
+            <a:ext cx="8227440" cy="3723480"/>
           </a:xfrm>
           <a:prstGeom prst="rect">
             <a:avLst/>
@@ -7839,7 +7883,7 @@
         <p:spPr>
           <a:xfrm>
             <a:off x="288000" y="19800"/>
-            <a:ext cx="8227800" cy="3723840"/>
+            <a:ext cx="8227440" cy="3723480"/>
           </a:xfrm>
           <a:prstGeom prst="rect">
             <a:avLst/>
@@ -7862,7 +7906,7 @@
               <a:lnSpc>
                 <a:spcPct val="100000"/>
               </a:lnSpc>
-              <a:buFont typeface="Arial"/>
+              <a:buFont typeface="Liberation Serif"/>
               <a:buAutoNum type="arabicPeriod"/>
             </a:pPr>
             <a:r>
@@ -8087,7 +8131,7 @@
         <p:spPr>
           <a:xfrm>
             <a:off x="267840" y="163800"/>
-            <a:ext cx="8227800" cy="3723840"/>
+            <a:ext cx="8227440" cy="3723480"/>
           </a:xfrm>
           <a:prstGeom prst="rect">
             <a:avLst/>
@@ -8299,7 +8343,7 @@
         <p:spPr>
           <a:xfrm>
             <a:off x="267840" y="163800"/>
-            <a:ext cx="8227800" cy="3723840"/>
+            <a:ext cx="8227440" cy="3723480"/>
           </a:xfrm>
           <a:prstGeom prst="rect">
             <a:avLst/>
@@ -8481,7 +8525,7 @@
         <p:spPr>
           <a:xfrm>
             <a:off x="457200" y="205920"/>
-            <a:ext cx="8227800" cy="855720"/>
+            <a:ext cx="8227440" cy="855360"/>
           </a:xfrm>
           <a:prstGeom prst="rect">
             <a:avLst/>
@@ -8528,7 +8572,7 @@
         <p:spPr>
           <a:xfrm>
             <a:off x="457200" y="1200240"/>
-            <a:ext cx="8227800" cy="3723840"/>
+            <a:ext cx="8227440" cy="3723480"/>
           </a:xfrm>
           <a:prstGeom prst="rect">
             <a:avLst/>
@@ -8746,7 +8790,7 @@
         <p:spPr>
           <a:xfrm>
             <a:off x="288000" y="19800"/>
-            <a:ext cx="8227800" cy="3723840"/>
+            <a:ext cx="8227440" cy="3723480"/>
           </a:xfrm>
           <a:prstGeom prst="rect">
             <a:avLst/>
